--- a/presentation.pptx
+++ b/presentation.pptx
@@ -5,12 +5,13 @@
     <p:sldMasterId id="2147483648" r:id="rId1"/>
   </p:sldMasterIdLst>
   <p:sldIdLst>
-    <p:sldId id="256" r:id="rId7"/>
-    <p:sldId id="257" r:id="rId8"/>
-    <p:sldId id="258" r:id="rId9"/>
-    <p:sldId id="259" r:id="rId10"/>
-    <p:sldId id="260" r:id="rId11"/>
-    <p:sldId id="261" r:id="rId12"/>
+    <p:sldId id="256" r:id="rId2"/>
+    <p:sldId id="257" r:id="rId3"/>
+    <p:sldId id="258" r:id="rId4"/>
+    <p:sldId id="259" r:id="rId5"/>
+    <p:sldId id="260" r:id="rId6"/>
+    <p:sldId id="261" r:id="rId7"/>
+    <p:sldId id="262" r:id="rId8"/>
   </p:sldIdLst>
   <p:sldSz cx="9144000" cy="6858000" type="screen4x3"/>
   <p:notesSz cx="6858000" cy="9144000"/>
@@ -109,6 +110,22 @@
       </a:defRPr>
     </a:lvl9pPr>
   </p:defaultTextStyle>
+  <p:extLst>
+    <p:ext uri="{EFAFB233-063F-42B5-8137-9DF3F51BA10A}">
+      <p15:sldGuideLst xmlns:p15="http://schemas.microsoft.com/office/powerpoint/2012/main">
+        <p15:guide id="1" orient="horz" pos="2160">
+          <p15:clr>
+            <a:srgbClr val="A4A3A4"/>
+          </p15:clr>
+        </p15:guide>
+        <p15:guide id="2" pos="2880">
+          <p15:clr>
+            <a:srgbClr val="A4A3A4"/>
+          </p15:clr>
+        </p15:guide>
+      </p15:sldGuideLst>
+    </p:ext>
+  </p:extLst>
 </p:presentation>
 </file>
 
@@ -150,10 +167,9 @@
           <a:lstStyle/>
           <a:p>
             <a:r>
-              <a:rPr lang="en-US" smtClean="0"/>
+              <a:rPr lang="en-US"/>
               <a:t>Click to edit Master title style</a:t>
             </a:r>
-            <a:endParaRPr lang="en-US"/>
           </a:p>
         </p:txBody>
       </p:sp>
@@ -269,10 +285,9 @@
           </a:lstStyle>
           <a:p>
             <a:r>
-              <a:rPr lang="en-US" smtClean="0"/>
+              <a:rPr lang="en-US"/>
               <a:t>Click to edit Master subtitle style</a:t>
             </a:r>
-            <a:endParaRPr lang="en-US"/>
           </a:p>
         </p:txBody>
       </p:sp>
@@ -293,7 +308,7 @@
           <a:p>
             <a:fld id="{5BCAD085-E8A6-8845-BD4E-CB4CCA059FC4}" type="datetimeFigureOut">
               <a:rPr lang="en-US" smtClean="0"/>
-              <a:t>1/27/13</a:t>
+              <a:t>12/18/24</a:t>
             </a:fld>
             <a:endParaRPr lang="en-US"/>
           </a:p>
@@ -387,10 +402,9 @@
           <a:lstStyle/>
           <a:p>
             <a:r>
-              <a:rPr lang="en-US" smtClean="0"/>
+              <a:rPr lang="en-US"/>
               <a:t>Click to edit Master title style</a:t>
             </a:r>
-            <a:endParaRPr lang="en-US"/>
           </a:p>
         </p:txBody>
       </p:sp>
@@ -411,38 +425,37 @@
           <a:p>
             <a:pPr lvl="0"/>
             <a:r>
-              <a:rPr lang="en-US" smtClean="0"/>
+              <a:rPr lang="en-US"/>
               <a:t>Click to edit Master text styles</a:t>
             </a:r>
           </a:p>
           <a:p>
             <a:pPr lvl="1"/>
             <a:r>
-              <a:rPr lang="en-US" smtClean="0"/>
+              <a:rPr lang="en-US"/>
               <a:t>Second level</a:t>
             </a:r>
           </a:p>
           <a:p>
             <a:pPr lvl="2"/>
             <a:r>
-              <a:rPr lang="en-US" smtClean="0"/>
+              <a:rPr lang="en-US"/>
               <a:t>Third level</a:t>
             </a:r>
           </a:p>
           <a:p>
             <a:pPr lvl="3"/>
             <a:r>
-              <a:rPr lang="en-US" smtClean="0"/>
+              <a:rPr lang="en-US"/>
               <a:t>Fourth level</a:t>
             </a:r>
           </a:p>
           <a:p>
             <a:pPr lvl="4"/>
             <a:r>
-              <a:rPr lang="en-US" smtClean="0"/>
+              <a:rPr lang="en-US"/>
               <a:t>Fifth level</a:t>
             </a:r>
-            <a:endParaRPr lang="en-US"/>
           </a:p>
         </p:txBody>
       </p:sp>
@@ -463,7 +476,7 @@
           <a:p>
             <a:fld id="{5BCAD085-E8A6-8845-BD4E-CB4CCA059FC4}" type="datetimeFigureOut">
               <a:rPr lang="en-US" smtClean="0"/>
-              <a:t>1/27/13</a:t>
+              <a:t>12/18/24</a:t>
             </a:fld>
             <a:endParaRPr lang="en-US"/>
           </a:p>
@@ -562,10 +575,9 @@
           <a:lstStyle/>
           <a:p>
             <a:r>
-              <a:rPr lang="en-US" smtClean="0"/>
+              <a:rPr lang="en-US"/>
               <a:t>Click to edit Master title style</a:t>
             </a:r>
-            <a:endParaRPr lang="en-US"/>
           </a:p>
         </p:txBody>
       </p:sp>
@@ -591,38 +603,37 @@
           <a:p>
             <a:pPr lvl="0"/>
             <a:r>
-              <a:rPr lang="en-US" smtClean="0"/>
+              <a:rPr lang="en-US"/>
               <a:t>Click to edit Master text styles</a:t>
             </a:r>
           </a:p>
           <a:p>
             <a:pPr lvl="1"/>
             <a:r>
-              <a:rPr lang="en-US" smtClean="0"/>
+              <a:rPr lang="en-US"/>
               <a:t>Second level</a:t>
             </a:r>
           </a:p>
           <a:p>
             <a:pPr lvl="2"/>
             <a:r>
-              <a:rPr lang="en-US" smtClean="0"/>
+              <a:rPr lang="en-US"/>
               <a:t>Third level</a:t>
             </a:r>
           </a:p>
           <a:p>
             <a:pPr lvl="3"/>
             <a:r>
-              <a:rPr lang="en-US" smtClean="0"/>
+              <a:rPr lang="en-US"/>
               <a:t>Fourth level</a:t>
             </a:r>
           </a:p>
           <a:p>
             <a:pPr lvl="4"/>
             <a:r>
-              <a:rPr lang="en-US" smtClean="0"/>
+              <a:rPr lang="en-US"/>
               <a:t>Fifth level</a:t>
             </a:r>
-            <a:endParaRPr lang="en-US"/>
           </a:p>
         </p:txBody>
       </p:sp>
@@ -643,7 +654,7 @@
           <a:p>
             <a:fld id="{5BCAD085-E8A6-8845-BD4E-CB4CCA059FC4}" type="datetimeFigureOut">
               <a:rPr lang="en-US" smtClean="0"/>
-              <a:t>1/27/13</a:t>
+              <a:t>12/18/24</a:t>
             </a:fld>
             <a:endParaRPr lang="en-US"/>
           </a:p>
@@ -737,10 +748,9 @@
           <a:lstStyle/>
           <a:p>
             <a:r>
-              <a:rPr lang="en-US" smtClean="0"/>
+              <a:rPr lang="en-US"/>
               <a:t>Click to edit Master title style</a:t>
             </a:r>
-            <a:endParaRPr lang="en-US"/>
           </a:p>
         </p:txBody>
       </p:sp>
@@ -761,38 +771,37 @@
           <a:p>
             <a:pPr lvl="0"/>
             <a:r>
-              <a:rPr lang="en-US" smtClean="0"/>
+              <a:rPr lang="en-US"/>
               <a:t>Click to edit Master text styles</a:t>
             </a:r>
           </a:p>
           <a:p>
             <a:pPr lvl="1"/>
             <a:r>
-              <a:rPr lang="en-US" smtClean="0"/>
+              <a:rPr lang="en-US"/>
               <a:t>Second level</a:t>
             </a:r>
           </a:p>
           <a:p>
             <a:pPr lvl="2"/>
             <a:r>
-              <a:rPr lang="en-US" smtClean="0"/>
+              <a:rPr lang="en-US"/>
               <a:t>Third level</a:t>
             </a:r>
           </a:p>
           <a:p>
             <a:pPr lvl="3"/>
             <a:r>
-              <a:rPr lang="en-US" smtClean="0"/>
+              <a:rPr lang="en-US"/>
               <a:t>Fourth level</a:t>
             </a:r>
           </a:p>
           <a:p>
             <a:pPr lvl="4"/>
             <a:r>
-              <a:rPr lang="en-US" smtClean="0"/>
+              <a:rPr lang="en-US"/>
               <a:t>Fifth level</a:t>
             </a:r>
-            <a:endParaRPr lang="en-US"/>
           </a:p>
         </p:txBody>
       </p:sp>
@@ -813,7 +822,7 @@
           <a:p>
             <a:fld id="{5BCAD085-E8A6-8845-BD4E-CB4CCA059FC4}" type="datetimeFigureOut">
               <a:rPr lang="en-US" smtClean="0"/>
-              <a:t>1/27/13</a:t>
+              <a:t>12/18/24</a:t>
             </a:fld>
             <a:endParaRPr lang="en-US"/>
           </a:p>
@@ -916,10 +925,9 @@
           </a:lstStyle>
           <a:p>
             <a:r>
-              <a:rPr lang="en-US" smtClean="0"/>
+              <a:rPr lang="en-US"/>
               <a:t>Click to edit Master title style</a:t>
             </a:r>
-            <a:endParaRPr lang="en-US"/>
           </a:p>
         </p:txBody>
       </p:sp>
@@ -1036,7 +1044,7 @@
           <a:p>
             <a:pPr lvl="0"/>
             <a:r>
-              <a:rPr lang="en-US" smtClean="0"/>
+              <a:rPr lang="en-US"/>
               <a:t>Click to edit Master text styles</a:t>
             </a:r>
           </a:p>
@@ -1059,7 +1067,7 @@
           <a:p>
             <a:fld id="{5BCAD085-E8A6-8845-BD4E-CB4CCA059FC4}" type="datetimeFigureOut">
               <a:rPr lang="en-US" smtClean="0"/>
-              <a:t>1/27/13</a:t>
+              <a:t>12/18/24</a:t>
             </a:fld>
             <a:endParaRPr lang="en-US"/>
           </a:p>
@@ -1153,10 +1161,9 @@
           <a:lstStyle/>
           <a:p>
             <a:r>
-              <a:rPr lang="en-US" smtClean="0"/>
+              <a:rPr lang="en-US"/>
               <a:t>Click to edit Master title style</a:t>
             </a:r>
-            <a:endParaRPr lang="en-US"/>
           </a:p>
         </p:txBody>
       </p:sp>
@@ -1210,38 +1217,37 @@
           <a:p>
             <a:pPr lvl="0"/>
             <a:r>
-              <a:rPr lang="en-US" smtClean="0"/>
+              <a:rPr lang="en-US"/>
               <a:t>Click to edit Master text styles</a:t>
             </a:r>
           </a:p>
           <a:p>
             <a:pPr lvl="1"/>
             <a:r>
-              <a:rPr lang="en-US" smtClean="0"/>
+              <a:rPr lang="en-US"/>
               <a:t>Second level</a:t>
             </a:r>
           </a:p>
           <a:p>
             <a:pPr lvl="2"/>
             <a:r>
-              <a:rPr lang="en-US" smtClean="0"/>
+              <a:rPr lang="en-US"/>
               <a:t>Third level</a:t>
             </a:r>
           </a:p>
           <a:p>
             <a:pPr lvl="3"/>
             <a:r>
-              <a:rPr lang="en-US" smtClean="0"/>
+              <a:rPr lang="en-US"/>
               <a:t>Fourth level</a:t>
             </a:r>
           </a:p>
           <a:p>
             <a:pPr lvl="4"/>
             <a:r>
-              <a:rPr lang="en-US" smtClean="0"/>
+              <a:rPr lang="en-US"/>
               <a:t>Fifth level</a:t>
             </a:r>
-            <a:endParaRPr lang="en-US"/>
           </a:p>
         </p:txBody>
       </p:sp>
@@ -1295,38 +1301,37 @@
           <a:p>
             <a:pPr lvl="0"/>
             <a:r>
-              <a:rPr lang="en-US" smtClean="0"/>
+              <a:rPr lang="en-US"/>
               <a:t>Click to edit Master text styles</a:t>
             </a:r>
           </a:p>
           <a:p>
             <a:pPr lvl="1"/>
             <a:r>
-              <a:rPr lang="en-US" smtClean="0"/>
+              <a:rPr lang="en-US"/>
               <a:t>Second level</a:t>
             </a:r>
           </a:p>
           <a:p>
             <a:pPr lvl="2"/>
             <a:r>
-              <a:rPr lang="en-US" smtClean="0"/>
+              <a:rPr lang="en-US"/>
               <a:t>Third level</a:t>
             </a:r>
           </a:p>
           <a:p>
             <a:pPr lvl="3"/>
             <a:r>
-              <a:rPr lang="en-US" smtClean="0"/>
+              <a:rPr lang="en-US"/>
               <a:t>Fourth level</a:t>
             </a:r>
           </a:p>
           <a:p>
             <a:pPr lvl="4"/>
             <a:r>
-              <a:rPr lang="en-US" smtClean="0"/>
+              <a:rPr lang="en-US"/>
               <a:t>Fifth level</a:t>
             </a:r>
-            <a:endParaRPr lang="en-US"/>
           </a:p>
         </p:txBody>
       </p:sp>
@@ -1347,7 +1352,7 @@
           <a:p>
             <a:fld id="{5BCAD085-E8A6-8845-BD4E-CB4CCA059FC4}" type="datetimeFigureOut">
               <a:rPr lang="en-US" smtClean="0"/>
-              <a:t>1/27/13</a:t>
+              <a:t>12/18/24</a:t>
             </a:fld>
             <a:endParaRPr lang="en-US"/>
           </a:p>
@@ -1445,10 +1450,9 @@
           </a:lstStyle>
           <a:p>
             <a:r>
-              <a:rPr lang="en-US" smtClean="0"/>
+              <a:rPr lang="en-US"/>
               <a:t>Click to edit Master title style</a:t>
             </a:r>
-            <a:endParaRPr lang="en-US"/>
           </a:p>
         </p:txBody>
       </p:sp>
@@ -1511,7 +1515,7 @@
           <a:p>
             <a:pPr lvl="0"/>
             <a:r>
-              <a:rPr lang="en-US" smtClean="0"/>
+              <a:rPr lang="en-US"/>
               <a:t>Click to edit Master text styles</a:t>
             </a:r>
           </a:p>
@@ -1567,38 +1571,37 @@
           <a:p>
             <a:pPr lvl="0"/>
             <a:r>
-              <a:rPr lang="en-US" smtClean="0"/>
+              <a:rPr lang="en-US"/>
               <a:t>Click to edit Master text styles</a:t>
             </a:r>
           </a:p>
           <a:p>
             <a:pPr lvl="1"/>
             <a:r>
-              <a:rPr lang="en-US" smtClean="0"/>
+              <a:rPr lang="en-US"/>
               <a:t>Second level</a:t>
             </a:r>
           </a:p>
           <a:p>
             <a:pPr lvl="2"/>
             <a:r>
-              <a:rPr lang="en-US" smtClean="0"/>
+              <a:rPr lang="en-US"/>
               <a:t>Third level</a:t>
             </a:r>
           </a:p>
           <a:p>
             <a:pPr lvl="3"/>
             <a:r>
-              <a:rPr lang="en-US" smtClean="0"/>
+              <a:rPr lang="en-US"/>
               <a:t>Fourth level</a:t>
             </a:r>
           </a:p>
           <a:p>
             <a:pPr lvl="4"/>
             <a:r>
-              <a:rPr lang="en-US" smtClean="0"/>
+              <a:rPr lang="en-US"/>
               <a:t>Fifth level</a:t>
             </a:r>
-            <a:endParaRPr lang="en-US"/>
           </a:p>
         </p:txBody>
       </p:sp>
@@ -1661,7 +1664,7 @@
           <a:p>
             <a:pPr lvl="0"/>
             <a:r>
-              <a:rPr lang="en-US" smtClean="0"/>
+              <a:rPr lang="en-US"/>
               <a:t>Click to edit Master text styles</a:t>
             </a:r>
           </a:p>
@@ -1717,38 +1720,37 @@
           <a:p>
             <a:pPr lvl="0"/>
             <a:r>
-              <a:rPr lang="en-US" smtClean="0"/>
+              <a:rPr lang="en-US"/>
               <a:t>Click to edit Master text styles</a:t>
             </a:r>
           </a:p>
           <a:p>
             <a:pPr lvl="1"/>
             <a:r>
-              <a:rPr lang="en-US" smtClean="0"/>
+              <a:rPr lang="en-US"/>
               <a:t>Second level</a:t>
             </a:r>
           </a:p>
           <a:p>
             <a:pPr lvl="2"/>
             <a:r>
-              <a:rPr lang="en-US" smtClean="0"/>
+              <a:rPr lang="en-US"/>
               <a:t>Third level</a:t>
             </a:r>
           </a:p>
           <a:p>
             <a:pPr lvl="3"/>
             <a:r>
-              <a:rPr lang="en-US" smtClean="0"/>
+              <a:rPr lang="en-US"/>
               <a:t>Fourth level</a:t>
             </a:r>
           </a:p>
           <a:p>
             <a:pPr lvl="4"/>
             <a:r>
-              <a:rPr lang="en-US" smtClean="0"/>
+              <a:rPr lang="en-US"/>
               <a:t>Fifth level</a:t>
             </a:r>
-            <a:endParaRPr lang="en-US"/>
           </a:p>
         </p:txBody>
       </p:sp>
@@ -1769,7 +1771,7 @@
           <a:p>
             <a:fld id="{5BCAD085-E8A6-8845-BD4E-CB4CCA059FC4}" type="datetimeFigureOut">
               <a:rPr lang="en-US" smtClean="0"/>
-              <a:t>1/27/13</a:t>
+              <a:t>12/18/24</a:t>
             </a:fld>
             <a:endParaRPr lang="en-US"/>
           </a:p>
@@ -1863,10 +1865,9 @@
           <a:lstStyle/>
           <a:p>
             <a:r>
-              <a:rPr lang="en-US" smtClean="0"/>
+              <a:rPr lang="en-US"/>
               <a:t>Click to edit Master title style</a:t>
             </a:r>
-            <a:endParaRPr lang="en-US"/>
           </a:p>
         </p:txBody>
       </p:sp>
@@ -1887,7 +1888,7 @@
           <a:p>
             <a:fld id="{5BCAD085-E8A6-8845-BD4E-CB4CCA059FC4}" type="datetimeFigureOut">
               <a:rPr lang="en-US" smtClean="0"/>
-              <a:t>1/27/13</a:t>
+              <a:t>12/18/24</a:t>
             </a:fld>
             <a:endParaRPr lang="en-US"/>
           </a:p>
@@ -1982,7 +1983,7 @@
           <a:p>
             <a:fld id="{5BCAD085-E8A6-8845-BD4E-CB4CCA059FC4}" type="datetimeFigureOut">
               <a:rPr lang="en-US" smtClean="0"/>
-              <a:t>1/27/13</a:t>
+              <a:t>12/18/24</a:t>
             </a:fld>
             <a:endParaRPr lang="en-US"/>
           </a:p>
@@ -2085,10 +2086,9 @@
           </a:lstStyle>
           <a:p>
             <a:r>
-              <a:rPr lang="en-US" smtClean="0"/>
+              <a:rPr lang="en-US"/>
               <a:t>Click to edit Master title style</a:t>
             </a:r>
-            <a:endParaRPr lang="en-US"/>
           </a:p>
         </p:txBody>
       </p:sp>
@@ -2142,38 +2142,37 @@
           <a:p>
             <a:pPr lvl="0"/>
             <a:r>
-              <a:rPr lang="en-US" smtClean="0"/>
+              <a:rPr lang="en-US"/>
               <a:t>Click to edit Master text styles</a:t>
             </a:r>
           </a:p>
           <a:p>
             <a:pPr lvl="1"/>
             <a:r>
-              <a:rPr lang="en-US" smtClean="0"/>
+              <a:rPr lang="en-US"/>
               <a:t>Second level</a:t>
             </a:r>
           </a:p>
           <a:p>
             <a:pPr lvl="2"/>
             <a:r>
-              <a:rPr lang="en-US" smtClean="0"/>
+              <a:rPr lang="en-US"/>
               <a:t>Third level</a:t>
             </a:r>
           </a:p>
           <a:p>
             <a:pPr lvl="3"/>
             <a:r>
-              <a:rPr lang="en-US" smtClean="0"/>
+              <a:rPr lang="en-US"/>
               <a:t>Fourth level</a:t>
             </a:r>
           </a:p>
           <a:p>
             <a:pPr lvl="4"/>
             <a:r>
-              <a:rPr lang="en-US" smtClean="0"/>
+              <a:rPr lang="en-US"/>
               <a:t>Fifth level</a:t>
             </a:r>
-            <a:endParaRPr lang="en-US"/>
           </a:p>
         </p:txBody>
       </p:sp>
@@ -2236,7 +2235,7 @@
           <a:p>
             <a:pPr lvl="0"/>
             <a:r>
-              <a:rPr lang="en-US" smtClean="0"/>
+              <a:rPr lang="en-US"/>
               <a:t>Click to edit Master text styles</a:t>
             </a:r>
           </a:p>
@@ -2259,7 +2258,7 @@
           <a:p>
             <a:fld id="{5BCAD085-E8A6-8845-BD4E-CB4CCA059FC4}" type="datetimeFigureOut">
               <a:rPr lang="en-US" smtClean="0"/>
-              <a:t>1/27/13</a:t>
+              <a:t>12/18/24</a:t>
             </a:fld>
             <a:endParaRPr lang="en-US"/>
           </a:p>
@@ -2362,10 +2361,9 @@
           </a:lstStyle>
           <a:p>
             <a:r>
-              <a:rPr lang="en-US" smtClean="0"/>
+              <a:rPr lang="en-US"/>
               <a:t>Click to edit Master title style</a:t>
             </a:r>
-            <a:endParaRPr lang="en-US"/>
           </a:p>
         </p:txBody>
       </p:sp>
@@ -2489,7 +2487,7 @@
           <a:p>
             <a:pPr lvl="0"/>
             <a:r>
-              <a:rPr lang="en-US" smtClean="0"/>
+              <a:rPr lang="en-US"/>
               <a:t>Click to edit Master text styles</a:t>
             </a:r>
           </a:p>
@@ -2512,7 +2510,7 @@
           <a:p>
             <a:fld id="{5BCAD085-E8A6-8845-BD4E-CB4CCA059FC4}" type="datetimeFigureOut">
               <a:rPr lang="en-US" smtClean="0"/>
-              <a:t>1/27/13</a:t>
+              <a:t>12/18/24</a:t>
             </a:fld>
             <a:endParaRPr lang="en-US"/>
           </a:p>
@@ -2621,10 +2619,9 @@
           <a:lstStyle/>
           <a:p>
             <a:r>
-              <a:rPr lang="en-US" smtClean="0"/>
+              <a:rPr lang="en-US"/>
               <a:t>Click to edit Master title style</a:t>
             </a:r>
-            <a:endParaRPr lang="en-US"/>
           </a:p>
         </p:txBody>
       </p:sp>
@@ -2655,38 +2652,37 @@
           <a:p>
             <a:pPr lvl="0"/>
             <a:r>
-              <a:rPr lang="en-US" smtClean="0"/>
+              <a:rPr lang="en-US"/>
               <a:t>Click to edit Master text styles</a:t>
             </a:r>
           </a:p>
           <a:p>
             <a:pPr lvl="1"/>
             <a:r>
-              <a:rPr lang="en-US" smtClean="0"/>
+              <a:rPr lang="en-US"/>
               <a:t>Second level</a:t>
             </a:r>
           </a:p>
           <a:p>
             <a:pPr lvl="2"/>
             <a:r>
-              <a:rPr lang="en-US" smtClean="0"/>
+              <a:rPr lang="en-US"/>
               <a:t>Third level</a:t>
             </a:r>
           </a:p>
           <a:p>
             <a:pPr lvl="3"/>
             <a:r>
-              <a:rPr lang="en-US" smtClean="0"/>
+              <a:rPr lang="en-US"/>
               <a:t>Fourth level</a:t>
             </a:r>
           </a:p>
           <a:p>
             <a:pPr lvl="4"/>
             <a:r>
-              <a:rPr lang="en-US" smtClean="0"/>
+              <a:rPr lang="en-US"/>
               <a:t>Fifth level</a:t>
             </a:r>
-            <a:endParaRPr lang="en-US"/>
           </a:p>
         </p:txBody>
       </p:sp>
@@ -2725,7 +2721,7 @@
           <a:p>
             <a:fld id="{5BCAD085-E8A6-8845-BD4E-CB4CCA059FC4}" type="datetimeFigureOut">
               <a:rPr lang="en-US" smtClean="0"/>
-              <a:t>1/27/13</a:t>
+              <a:t>12/18/24</a:t>
             </a:fld>
             <a:endParaRPr lang="en-US"/>
           </a:p>
@@ -3084,7 +3080,7 @@
 </file>
 
 <file path=ppt/slides/slide1.xml><?xml version="1.0" encoding="utf-8"?>
-<p:sld xmlns:a="http://schemas.openxmlformats.org/drawingml/2006/main" xmlns:p="http://schemas.openxmlformats.org/presentationml/2006/main" xmlns:r="http://schemas.openxmlformats.org/officeDocument/2006/relationships">
+<p:sld xmlns:a="http://schemas.openxmlformats.org/drawingml/2006/main" xmlns:r="http://schemas.openxmlformats.org/officeDocument/2006/relationships" xmlns:p="http://schemas.openxmlformats.org/presentationml/2006/main">
   <p:cSld>
     <p:spTree>
       <p:nvGrpSpPr>
@@ -3092,7 +3088,14 @@
         <p:cNvGrpSpPr/>
         <p:nvPr/>
       </p:nvGrpSpPr>
-      <p:grpSpPr/>
+      <p:grpSpPr>
+        <a:xfrm>
+          <a:off x="0" y="0"/>
+          <a:ext cx="0" cy="0"/>
+          <a:chOff x="0" y="0"/>
+          <a:chExt cx="0" cy="0"/>
+        </a:xfrm>
+      </p:grpSpPr>
       <p:sp>
         <p:nvSpPr>
           <p:cNvPr id="2" name="Title 1"/>
@@ -3144,7 +3147,7 @@
 </file>
 
 <file path=ppt/slides/slide2.xml><?xml version="1.0" encoding="utf-8"?>
-<p:sld xmlns:a="http://schemas.openxmlformats.org/drawingml/2006/main" xmlns:p="http://schemas.openxmlformats.org/presentationml/2006/main" xmlns:r="http://schemas.openxmlformats.org/officeDocument/2006/relationships">
+<p:sld xmlns:a="http://schemas.openxmlformats.org/drawingml/2006/main" xmlns:r="http://schemas.openxmlformats.org/officeDocument/2006/relationships" xmlns:p="http://schemas.openxmlformats.org/presentationml/2006/main">
   <p:cSld>
     <p:spTree>
       <p:nvGrpSpPr>
@@ -3152,7 +3155,14 @@
         <p:cNvGrpSpPr/>
         <p:nvPr/>
       </p:nvGrpSpPr>
-      <p:grpSpPr/>
+      <p:grpSpPr>
+        <a:xfrm>
+          <a:off x="0" y="0"/>
+          <a:ext cx="0" cy="0"/>
+          <a:chOff x="0" y="0"/>
+          <a:chExt cx="0" cy="0"/>
+        </a:xfrm>
+      </p:grpSpPr>
       <p:sp>
         <p:nvSpPr>
           <p:cNvPr id="2" name="Title 1"/>
@@ -3219,7 +3229,7 @@
 </file>
 
 <file path=ppt/slides/slide3.xml><?xml version="1.0" encoding="utf-8"?>
-<p:sld xmlns:a="http://schemas.openxmlformats.org/drawingml/2006/main" xmlns:p="http://schemas.openxmlformats.org/presentationml/2006/main" xmlns:r="http://schemas.openxmlformats.org/officeDocument/2006/relationships">
+<p:sld xmlns:a="http://schemas.openxmlformats.org/drawingml/2006/main" xmlns:r="http://schemas.openxmlformats.org/officeDocument/2006/relationships" xmlns:p="http://schemas.openxmlformats.org/presentationml/2006/main">
   <p:cSld>
     <p:spTree>
       <p:nvGrpSpPr>
@@ -3227,7 +3237,14 @@
         <p:cNvGrpSpPr/>
         <p:nvPr/>
       </p:nvGrpSpPr>
-      <p:grpSpPr/>
+      <p:grpSpPr>
+        <a:xfrm>
+          <a:off x="0" y="0"/>
+          <a:ext cx="0" cy="0"/>
+          <a:chOff x="0" y="0"/>
+          <a:chExt cx="0" cy="0"/>
+        </a:xfrm>
+      </p:grpSpPr>
       <p:sp>
         <p:nvSpPr>
           <p:cNvPr id="2" name="Title 1"/>
@@ -3240,7 +3257,9 @@
         </p:nvSpPr>
         <p:spPr/>
         <p:txBody>
-          <a:bodyPr/>
+          <a:bodyPr>
+            <a:normAutofit fontScale="90000"/>
+          </a:bodyPr>
           <a:lstStyle/>
           <a:p>
             <a:r>
@@ -3294,7 +3313,7 @@
 </file>
 
 <file path=ppt/slides/slide4.xml><?xml version="1.0" encoding="utf-8"?>
-<p:sld xmlns:a="http://schemas.openxmlformats.org/drawingml/2006/main" xmlns:p="http://schemas.openxmlformats.org/presentationml/2006/main" xmlns:r="http://schemas.openxmlformats.org/officeDocument/2006/relationships">
+<p:sld xmlns:a="http://schemas.openxmlformats.org/drawingml/2006/main" xmlns:r="http://schemas.openxmlformats.org/officeDocument/2006/relationships" xmlns:p="http://schemas.openxmlformats.org/presentationml/2006/main">
   <p:cSld>
     <p:spTree>
       <p:nvGrpSpPr>
@@ -3302,7 +3321,14 @@
         <p:cNvGrpSpPr/>
         <p:nvPr/>
       </p:nvGrpSpPr>
-      <p:grpSpPr/>
+      <p:grpSpPr>
+        <a:xfrm>
+          <a:off x="0" y="0"/>
+          <a:ext cx="0" cy="0"/>
+          <a:chOff x="0" y="0"/>
+          <a:chExt cx="0" cy="0"/>
+        </a:xfrm>
+      </p:grpSpPr>
       <p:sp>
         <p:nvSpPr>
           <p:cNvPr id="2" name="Title 1"/>
@@ -3336,7 +3362,9 @@
         </p:nvSpPr>
         <p:spPr/>
         <p:txBody>
-          <a:bodyPr/>
+          <a:bodyPr>
+            <a:normAutofit fontScale="92500" lnSpcReduction="20000"/>
+          </a:bodyPr>
           <a:lstStyle/>
           <a:p>
             <a:r>
@@ -3374,7 +3402,7 @@
 </file>
 
 <file path=ppt/slides/slide5.xml><?xml version="1.0" encoding="utf-8"?>
-<p:sld xmlns:a="http://schemas.openxmlformats.org/drawingml/2006/main" xmlns:p="http://schemas.openxmlformats.org/presentationml/2006/main" xmlns:r="http://schemas.openxmlformats.org/officeDocument/2006/relationships">
+<p:sld xmlns:a="http://schemas.openxmlformats.org/drawingml/2006/main" xmlns:r="http://schemas.openxmlformats.org/officeDocument/2006/relationships" xmlns:p="http://schemas.openxmlformats.org/presentationml/2006/main">
   <p:cSld>
     <p:spTree>
       <p:nvGrpSpPr>
@@ -3382,7 +3410,14 @@
         <p:cNvGrpSpPr/>
         <p:nvPr/>
       </p:nvGrpSpPr>
-      <p:grpSpPr/>
+      <p:grpSpPr>
+        <a:xfrm>
+          <a:off x="0" y="0"/>
+          <a:ext cx="0" cy="0"/>
+          <a:chOff x="0" y="0"/>
+          <a:chExt cx="0" cy="0"/>
+        </a:xfrm>
+      </p:grpSpPr>
       <p:sp>
         <p:nvSpPr>
           <p:cNvPr id="2" name="Title 1"/>
@@ -3444,7 +3479,7 @@
 </file>
 
 <file path=ppt/slides/slide6.xml><?xml version="1.0" encoding="utf-8"?>
-<p:sld xmlns:a="http://schemas.openxmlformats.org/drawingml/2006/main" xmlns:p="http://schemas.openxmlformats.org/presentationml/2006/main" xmlns:r="http://schemas.openxmlformats.org/officeDocument/2006/relationships">
+<p:sld xmlns:a="http://schemas.openxmlformats.org/drawingml/2006/main" xmlns:r="http://schemas.openxmlformats.org/officeDocument/2006/relationships" xmlns:p="http://schemas.openxmlformats.org/presentationml/2006/main">
   <p:cSld>
     <p:spTree>
       <p:nvGrpSpPr>
@@ -3452,7 +3487,14 @@
         <p:cNvGrpSpPr/>
         <p:nvPr/>
       </p:nvGrpSpPr>
-      <p:grpSpPr/>
+      <p:grpSpPr>
+        <a:xfrm>
+          <a:off x="0" y="0"/>
+          <a:ext cx="0" cy="0"/>
+          <a:chOff x="0" y="0"/>
+          <a:chExt cx="0" cy="0"/>
+        </a:xfrm>
+      </p:grpSpPr>
       <p:sp>
         <p:nvSpPr>
           <p:cNvPr id="2" name="Title 1"/>
@@ -3501,6 +3543,66 @@
         </p:txBody>
       </p:sp>
     </p:spTree>
+  </p:cSld>
+  <p:clrMapOvr>
+    <a:masterClrMapping/>
+  </p:clrMapOvr>
+</p:sld>
+</file>
+
+<file path=ppt/slides/slide7.xml><?xml version="1.0" encoding="utf-8"?>
+<p:sld xmlns:a="http://schemas.openxmlformats.org/drawingml/2006/main" xmlns:r="http://schemas.openxmlformats.org/officeDocument/2006/relationships" xmlns:p="http://schemas.openxmlformats.org/presentationml/2006/main">
+  <p:cSld>
+    <p:spTree>
+      <p:nvGrpSpPr>
+        <p:cNvPr id="1" name=""/>
+        <p:cNvGrpSpPr/>
+        <p:nvPr/>
+      </p:nvGrpSpPr>
+      <p:grpSpPr>
+        <a:xfrm>
+          <a:off x="0" y="0"/>
+          <a:ext cx="0" cy="0"/>
+          <a:chOff x="0" y="0"/>
+          <a:chExt cx="0" cy="0"/>
+        </a:xfrm>
+      </p:grpSpPr>
+      <p:pic>
+        <p:nvPicPr>
+          <p:cNvPr id="5" name="Рисунок 4">
+            <a:extLst>
+              <a:ext uri="{FF2B5EF4-FFF2-40B4-BE49-F238E27FC236}">
+                <a16:creationId xmlns:a16="http://schemas.microsoft.com/office/drawing/2014/main" id="{691E18B5-1320-70A6-007B-AC57F09EA0A1}"/>
+              </a:ext>
+            </a:extLst>
+          </p:cNvPr>
+          <p:cNvPicPr>
+            <a:picLocks noChangeAspect="1"/>
+          </p:cNvPicPr>
+          <p:nvPr/>
+        </p:nvPicPr>
+        <p:blipFill>
+          <a:blip r:embed="rId2"/>
+          <a:stretch>
+            <a:fillRect/>
+          </a:stretch>
+        </p:blipFill>
+        <p:spPr>
+          <a:xfrm>
+            <a:off x="1696202" y="553202"/>
+            <a:ext cx="5751596" cy="5751596"/>
+          </a:xfrm>
+          <a:prstGeom prst="rect">
+            <a:avLst/>
+          </a:prstGeom>
+        </p:spPr>
+      </p:pic>
+    </p:spTree>
+    <p:extLst>
+      <p:ext uri="{BB962C8B-B14F-4D97-AF65-F5344CB8AC3E}">
+        <p14:creationId xmlns:p14="http://schemas.microsoft.com/office/powerpoint/2010/main" val="3110914532"/>
+      </p:ext>
+    </p:extLst>
   </p:cSld>
   <p:clrMapOvr>
     <a:masterClrMapping/>
